--- a/Training/บทที่ 4 การใส่ข้อความ (Label).pptx
+++ b/Training/บทที่ 4 การใส่ข้อความ (Label).pptx
@@ -219,7 +219,7 @@
           <a:p>
             <a:fld id="{06C17036-57F0-4033-878B-2A84741E291F}" type="datetimeFigureOut">
               <a:rPr lang="en-US" smtClean="0"/>
-              <a:t>12/10/2023</a:t>
+              <a:t>12/15/2023</a:t>
             </a:fld>
             <a:endParaRPr lang="en-US"/>
           </a:p>
@@ -396,7 +396,7 @@
           <a:p>
             <a:fld id="{B7250401-2409-4A51-A751-C814B6470FB6}" type="datetimeFigureOut">
               <a:rPr lang="en-US" smtClean="0"/>
-              <a:t>12/10/2023</a:t>
+              <a:t>12/15/2023</a:t>
             </a:fld>
             <a:endParaRPr lang="en-US"/>
           </a:p>
@@ -818,7 +818,7 @@
           <a:p>
             <a:fld id="{3F6AD41E-8961-455E-BE3D-52DCFD182BCA}" type="datetime1">
               <a:rPr lang="en-US" smtClean="0"/>
-              <a:t>12/10/2023</a:t>
+              <a:t>12/15/2023</a:t>
             </a:fld>
             <a:endParaRPr lang="en-US"/>
           </a:p>
@@ -1016,7 +1016,7 @@
           <a:p>
             <a:fld id="{837AD7CF-C4A7-47BC-8CA0-A2423BD6B414}" type="datetime1">
               <a:rPr lang="en-US" smtClean="0"/>
-              <a:t>12/10/2023</a:t>
+              <a:t>12/15/2023</a:t>
             </a:fld>
             <a:endParaRPr lang="en-US"/>
           </a:p>
@@ -1224,7 +1224,7 @@
           <a:p>
             <a:fld id="{66FCB7ED-9AA1-4792-8B84-4E6B933EF180}" type="datetime1">
               <a:rPr lang="en-US" smtClean="0"/>
-              <a:t>12/10/2023</a:t>
+              <a:t>12/15/2023</a:t>
             </a:fld>
             <a:endParaRPr lang="en-US"/>
           </a:p>
@@ -1422,7 +1422,7 @@
           <a:p>
             <a:fld id="{437F2F41-2D04-40FF-B725-8597E0E2AF28}" type="datetime1">
               <a:rPr lang="en-US" smtClean="0"/>
-              <a:t>12/10/2023</a:t>
+              <a:t>12/15/2023</a:t>
             </a:fld>
             <a:endParaRPr lang="en-US"/>
           </a:p>
@@ -1697,7 +1697,7 @@
           <a:p>
             <a:fld id="{CE09906A-C844-4743-B9CD-73C2EEC07552}" type="datetime1">
               <a:rPr lang="en-US" smtClean="0"/>
-              <a:t>12/10/2023</a:t>
+              <a:t>12/15/2023</a:t>
             </a:fld>
             <a:endParaRPr lang="en-US"/>
           </a:p>
@@ -1962,7 +1962,7 @@
           <a:p>
             <a:fld id="{00CE04E3-7771-46FC-A485-5D5B60EDE7C4}" type="datetime1">
               <a:rPr lang="en-US" smtClean="0"/>
-              <a:t>12/10/2023</a:t>
+              <a:t>12/15/2023</a:t>
             </a:fld>
             <a:endParaRPr lang="en-US"/>
           </a:p>
@@ -2374,7 +2374,7 @@
           <a:p>
             <a:fld id="{AAD7B7EB-A95B-4C9B-B5CA-832534FE81AF}" type="datetime1">
               <a:rPr lang="en-US" smtClean="0"/>
-              <a:t>12/10/2023</a:t>
+              <a:t>12/15/2023</a:t>
             </a:fld>
             <a:endParaRPr lang="en-US"/>
           </a:p>
@@ -2577,7 +2577,7 @@
           <a:p>
             <a:fld id="{D2E7307F-0EB1-4E56-82DB-1BD3F33DAE22}" type="datetime1">
               <a:rPr lang="en-US" smtClean="0"/>
-              <a:t>12/10/2023</a:t>
+              <a:t>12/15/2023</a:t>
             </a:fld>
             <a:endParaRPr lang="en-US"/>
           </a:p>
@@ -2690,7 +2690,7 @@
           <a:p>
             <a:fld id="{0B135347-3E15-4228-ACD1-FA410F03C88A}" type="datetime1">
               <a:rPr lang="en-US" smtClean="0"/>
-              <a:t>12/10/2023</a:t>
+              <a:t>12/15/2023</a:t>
             </a:fld>
             <a:endParaRPr lang="en-US"/>
           </a:p>
@@ -3001,7 +3001,7 @@
           <a:p>
             <a:fld id="{8FC84112-A496-4654-828C-C3F1F14531A1}" type="datetime1">
               <a:rPr lang="en-US" smtClean="0"/>
-              <a:t>12/10/2023</a:t>
+              <a:t>12/15/2023</a:t>
             </a:fld>
             <a:endParaRPr lang="en-US"/>
           </a:p>
@@ -3289,7 +3289,7 @@
           <a:p>
             <a:fld id="{7F1F06F9-3F6B-430D-AD7B-9113A06E2545}" type="datetime1">
               <a:rPr lang="en-US" smtClean="0"/>
-              <a:t>12/10/2023</a:t>
+              <a:t>12/15/2023</a:t>
             </a:fld>
             <a:endParaRPr lang="en-US"/>
           </a:p>
@@ -4540,7 +4540,7 @@
           <a:p>
             <a:fld id="{292BCB8D-29B8-4E35-9093-2F363A120E10}" type="datetime1">
               <a:rPr lang="en-US" smtClean="0"/>
-              <a:t>12/10/2023</a:t>
+              <a:t>12/15/2023</a:t>
             </a:fld>
             <a:endParaRPr lang="en-US"/>
           </a:p>
